--- a/Case Study 1 - How Does a Bike-Share Navigate Speedy Success/results/Strategic Locations to Convert Casual Riders into Member.pptx
+++ b/Case Study 1 - How Does a Bike-Share Navigate Speedy Success/results/Strategic Locations to Convert Casual Riders into Member.pptx
@@ -283,7 +283,7 @@
           <a:p>
             <a:fld id="{8B5326F3-530D-4AA0-8518-026A426B24B4}" type="datetimeFigureOut">
               <a:rPr lang="en-ID" smtClean="0"/>
-              <a:t>17/03/2022</a:t>
+              <a:t>28/06/2022</a:t>
             </a:fld>
             <a:endParaRPr lang="en-ID"/>
           </a:p>
@@ -483,7 +483,7 @@
           <a:p>
             <a:fld id="{8B5326F3-530D-4AA0-8518-026A426B24B4}" type="datetimeFigureOut">
               <a:rPr lang="en-ID" smtClean="0"/>
-              <a:t>17/03/2022</a:t>
+              <a:t>28/06/2022</a:t>
             </a:fld>
             <a:endParaRPr lang="en-ID"/>
           </a:p>
@@ -693,7 +693,7 @@
           <a:p>
             <a:fld id="{8B5326F3-530D-4AA0-8518-026A426B24B4}" type="datetimeFigureOut">
               <a:rPr lang="en-ID" smtClean="0"/>
-              <a:t>17/03/2022</a:t>
+              <a:t>28/06/2022</a:t>
             </a:fld>
             <a:endParaRPr lang="en-ID"/>
           </a:p>
@@ -893,7 +893,7 @@
           <a:p>
             <a:fld id="{8B5326F3-530D-4AA0-8518-026A426B24B4}" type="datetimeFigureOut">
               <a:rPr lang="en-ID" smtClean="0"/>
-              <a:t>17/03/2022</a:t>
+              <a:t>28/06/2022</a:t>
             </a:fld>
             <a:endParaRPr lang="en-ID"/>
           </a:p>
@@ -1169,7 +1169,7 @@
           <a:p>
             <a:fld id="{8B5326F3-530D-4AA0-8518-026A426B24B4}" type="datetimeFigureOut">
               <a:rPr lang="en-ID" smtClean="0"/>
-              <a:t>17/03/2022</a:t>
+              <a:t>28/06/2022</a:t>
             </a:fld>
             <a:endParaRPr lang="en-ID"/>
           </a:p>
@@ -1437,7 +1437,7 @@
           <a:p>
             <a:fld id="{8B5326F3-530D-4AA0-8518-026A426B24B4}" type="datetimeFigureOut">
               <a:rPr lang="en-ID" smtClean="0"/>
-              <a:t>17/03/2022</a:t>
+              <a:t>28/06/2022</a:t>
             </a:fld>
             <a:endParaRPr lang="en-ID"/>
           </a:p>
@@ -1852,7 +1852,7 @@
           <a:p>
             <a:fld id="{8B5326F3-530D-4AA0-8518-026A426B24B4}" type="datetimeFigureOut">
               <a:rPr lang="en-ID" smtClean="0"/>
-              <a:t>17/03/2022</a:t>
+              <a:t>28/06/2022</a:t>
             </a:fld>
             <a:endParaRPr lang="en-ID"/>
           </a:p>
@@ -1994,7 +1994,7 @@
           <a:p>
             <a:fld id="{8B5326F3-530D-4AA0-8518-026A426B24B4}" type="datetimeFigureOut">
               <a:rPr lang="en-ID" smtClean="0"/>
-              <a:t>17/03/2022</a:t>
+              <a:t>28/06/2022</a:t>
             </a:fld>
             <a:endParaRPr lang="en-ID"/>
           </a:p>
@@ -2107,7 +2107,7 @@
           <a:p>
             <a:fld id="{8B5326F3-530D-4AA0-8518-026A426B24B4}" type="datetimeFigureOut">
               <a:rPr lang="en-ID" smtClean="0"/>
-              <a:t>17/03/2022</a:t>
+              <a:t>28/06/2022</a:t>
             </a:fld>
             <a:endParaRPr lang="en-ID"/>
           </a:p>
@@ -2420,7 +2420,7 @@
           <a:p>
             <a:fld id="{8B5326F3-530D-4AA0-8518-026A426B24B4}" type="datetimeFigureOut">
               <a:rPr lang="en-ID" smtClean="0"/>
-              <a:t>17/03/2022</a:t>
+              <a:t>28/06/2022</a:t>
             </a:fld>
             <a:endParaRPr lang="en-ID"/>
           </a:p>
@@ -2709,7 +2709,7 @@
           <a:p>
             <a:fld id="{8B5326F3-530D-4AA0-8518-026A426B24B4}" type="datetimeFigureOut">
               <a:rPr lang="en-ID" smtClean="0"/>
-              <a:t>17/03/2022</a:t>
+              <a:t>28/06/2022</a:t>
             </a:fld>
             <a:endParaRPr lang="en-ID"/>
           </a:p>
@@ -2955,7 +2955,7 @@
           <a:p>
             <a:fld id="{8B5326F3-530D-4AA0-8518-026A426B24B4}" type="datetimeFigureOut">
               <a:rPr lang="en-ID" smtClean="0"/>
-              <a:t>17/03/2022</a:t>
+              <a:t>28/06/2022</a:t>
             </a:fld>
             <a:endParaRPr lang="en-ID"/>
           </a:p>
@@ -4455,7 +4455,7 @@
           <a:p>
             <a:r>
               <a:rPr lang="en-ID" dirty="0"/>
-              <a:t>Note: Top 10 most common starting places for member riders might be places filled with people who have more than average incomes. They will be a basis to compare our data in behavioural analysis.</a:t>
+              <a:t>Note: Top 10 most common starting places for member riders might be places filled with people who have more than average incomes. Also, we can use above findings to compare our data in behavioural analysis.</a:t>
             </a:r>
           </a:p>
         </p:txBody>
@@ -6207,9 +6207,16 @@
             <p:ph idx="1"/>
           </p:nvPr>
         </p:nvSpPr>
-        <p:spPr/>
-        <p:txBody>
-          <a:bodyPr/>
+        <p:spPr>
+          <a:xfrm>
+            <a:off x="838200" y="1825624"/>
+            <a:ext cx="10515600" cy="4820835"/>
+          </a:xfrm>
+        </p:spPr>
+        <p:txBody>
+          <a:bodyPr>
+            <a:normAutofit/>
+          </a:bodyPr>
           <a:lstStyle/>
           <a:p>
             <a:pPr marL="0" indent="0">
@@ -6235,7 +6242,21 @@
           <a:p>
             <a:r>
               <a:rPr lang="en-ID" dirty="0"/>
-              <a:t>Checking whether certain stations whose average casual riders behave almost similarly with average member riders are on the rise/fall of number of riders based on monthly trend</a:t>
+              <a:t>Check whether certain stations whose average casual riders behave almost similarly with average member riders are on the rise/fall of number of riders based on monthly trend</a:t>
+            </a:r>
+          </a:p>
+          <a:p>
+            <a:r>
+              <a:rPr lang="en-ID" dirty="0"/>
+              <a:t>Further </a:t>
+            </a:r>
+            <a:r>
+              <a:rPr lang="en-ID" dirty="0" err="1"/>
+              <a:t>analyze</a:t>
+            </a:r>
+            <a:r>
+              <a:rPr lang="en-ID" dirty="0"/>
+              <a:t> the data and find out in what time range (in a day) is the most effective to do advertisement</a:t>
             </a:r>
           </a:p>
         </p:txBody>
